--- a/RISA_OUT/Figures_and_Tables/Fig5_draft.pptx
+++ b/RISA_OUT/Figures_and_Tables/Fig5_draft.pptx
@@ -64,7 +64,7 @@
         <p:spPr>
           <a:xfrm>
             <a:off x="534240" y="301320"/>
-            <a:ext cx="9621360" cy="1261440"/>
+            <a:ext cx="9622080" cy="1261800"/>
           </a:xfrm>
           <a:prstGeom prst="rect">
             <a:avLst/>
@@ -94,8 +94,8 @@
         </p:nvSpPr>
         <p:spPr>
           <a:xfrm>
-            <a:off x="534600" y="1769040"/>
-            <a:ext cx="9622440" cy="2091240"/>
+            <a:off x="534240" y="1768680"/>
+            <a:ext cx="9622080" cy="2090880"/>
           </a:xfrm>
           <a:prstGeom prst="rect">
             <a:avLst/>
@@ -124,8 +124,8 @@
         </p:nvSpPr>
         <p:spPr>
           <a:xfrm>
-            <a:off x="534600" y="4059360"/>
-            <a:ext cx="9622440" cy="2091240"/>
+            <a:off x="534240" y="4058640"/>
+            <a:ext cx="9622080" cy="2090880"/>
           </a:xfrm>
           <a:prstGeom prst="rect">
             <a:avLst/>
@@ -177,7 +177,7 @@
         <p:spPr>
           <a:xfrm>
             <a:off x="534240" y="301320"/>
-            <a:ext cx="9621360" cy="1261440"/>
+            <a:ext cx="9622080" cy="1261800"/>
           </a:xfrm>
           <a:prstGeom prst="rect">
             <a:avLst/>
@@ -207,8 +207,8 @@
         </p:nvSpPr>
         <p:spPr>
           <a:xfrm>
-            <a:off x="534600" y="1769040"/>
-            <a:ext cx="4695480" cy="2091240"/>
+            <a:off x="534240" y="1768680"/>
+            <a:ext cx="4695480" cy="2090880"/>
           </a:xfrm>
           <a:prstGeom prst="rect">
             <a:avLst/>
@@ -237,8 +237,8 @@
         </p:nvSpPr>
         <p:spPr>
           <a:xfrm>
-            <a:off x="5465160" y="1769040"/>
-            <a:ext cx="4695480" cy="2091240"/>
+            <a:off x="5464800" y="1768680"/>
+            <a:ext cx="4695480" cy="2090880"/>
           </a:xfrm>
           <a:prstGeom prst="rect">
             <a:avLst/>
@@ -267,8 +267,8 @@
         </p:nvSpPr>
         <p:spPr>
           <a:xfrm>
-            <a:off x="534600" y="4059360"/>
-            <a:ext cx="4695480" cy="2091240"/>
+            <a:off x="534240" y="4058640"/>
+            <a:ext cx="4695480" cy="2090880"/>
           </a:xfrm>
           <a:prstGeom prst="rect">
             <a:avLst/>
@@ -297,8 +297,8 @@
         </p:nvSpPr>
         <p:spPr>
           <a:xfrm>
-            <a:off x="5465160" y="4059360"/>
-            <a:ext cx="4695480" cy="2091240"/>
+            <a:off x="5464800" y="4058640"/>
+            <a:ext cx="4695480" cy="2090880"/>
           </a:xfrm>
           <a:prstGeom prst="rect">
             <a:avLst/>
@@ -350,7 +350,7 @@
         <p:spPr>
           <a:xfrm>
             <a:off x="534240" y="301320"/>
-            <a:ext cx="9621360" cy="1261440"/>
+            <a:ext cx="9622080" cy="1261800"/>
           </a:xfrm>
           <a:prstGeom prst="rect">
             <a:avLst/>
@@ -380,8 +380,8 @@
         </p:nvSpPr>
         <p:spPr>
           <a:xfrm>
-            <a:off x="534600" y="1769040"/>
-            <a:ext cx="3098160" cy="2091240"/>
+            <a:off x="534240" y="1768680"/>
+            <a:ext cx="3098160" cy="2090880"/>
           </a:xfrm>
           <a:prstGeom prst="rect">
             <a:avLst/>
@@ -410,8 +410,8 @@
         </p:nvSpPr>
         <p:spPr>
           <a:xfrm>
-            <a:off x="3787920" y="1769040"/>
-            <a:ext cx="3098160" cy="2091240"/>
+            <a:off x="3787560" y="1768680"/>
+            <a:ext cx="3098160" cy="2090880"/>
           </a:xfrm>
           <a:prstGeom prst="rect">
             <a:avLst/>
@@ -440,8 +440,8 @@
         </p:nvSpPr>
         <p:spPr>
           <a:xfrm>
-            <a:off x="7041600" y="1769040"/>
-            <a:ext cx="3098160" cy="2091240"/>
+            <a:off x="7041240" y="1768680"/>
+            <a:ext cx="3098160" cy="2090880"/>
           </a:xfrm>
           <a:prstGeom prst="rect">
             <a:avLst/>
@@ -470,8 +470,8 @@
         </p:nvSpPr>
         <p:spPr>
           <a:xfrm>
-            <a:off x="534600" y="4059360"/>
-            <a:ext cx="3098160" cy="2091240"/>
+            <a:off x="534240" y="4058640"/>
+            <a:ext cx="3098160" cy="2090880"/>
           </a:xfrm>
           <a:prstGeom prst="rect">
             <a:avLst/>
@@ -500,8 +500,8 @@
         </p:nvSpPr>
         <p:spPr>
           <a:xfrm>
-            <a:off x="3787920" y="4059360"/>
-            <a:ext cx="3098160" cy="2091240"/>
+            <a:off x="3787560" y="4058640"/>
+            <a:ext cx="3098160" cy="2090880"/>
           </a:xfrm>
           <a:prstGeom prst="rect">
             <a:avLst/>
@@ -530,8 +530,8 @@
         </p:nvSpPr>
         <p:spPr>
           <a:xfrm>
-            <a:off x="7041600" y="4059360"/>
-            <a:ext cx="3098160" cy="2091240"/>
+            <a:off x="7041240" y="4058640"/>
+            <a:ext cx="3098160" cy="2090880"/>
           </a:xfrm>
           <a:prstGeom prst="rect">
             <a:avLst/>
@@ -583,7 +583,7 @@
         <p:spPr>
           <a:xfrm>
             <a:off x="534240" y="301320"/>
-            <a:ext cx="9621360" cy="1261440"/>
+            <a:ext cx="9622080" cy="1261800"/>
           </a:xfrm>
           <a:prstGeom prst="rect">
             <a:avLst/>
@@ -613,8 +613,8 @@
         </p:nvSpPr>
         <p:spPr>
           <a:xfrm>
-            <a:off x="534600" y="1769040"/>
-            <a:ext cx="9622440" cy="4384440"/>
+            <a:off x="534240" y="1768680"/>
+            <a:ext cx="9622080" cy="4384080"/>
           </a:xfrm>
           <a:prstGeom prst="rect">
             <a:avLst/>
@@ -667,7 +667,7 @@
         <p:spPr>
           <a:xfrm>
             <a:off x="534240" y="301320"/>
-            <a:ext cx="9621360" cy="1261440"/>
+            <a:ext cx="9622080" cy="1261800"/>
           </a:xfrm>
           <a:prstGeom prst="rect">
             <a:avLst/>
@@ -697,8 +697,8 @@
         </p:nvSpPr>
         <p:spPr>
           <a:xfrm>
-            <a:off x="534600" y="1769040"/>
-            <a:ext cx="9622440" cy="4384440"/>
+            <a:off x="534240" y="1768680"/>
+            <a:ext cx="9622080" cy="4384080"/>
           </a:xfrm>
           <a:prstGeom prst="rect">
             <a:avLst/>
@@ -750,7 +750,7 @@
         <p:spPr>
           <a:xfrm>
             <a:off x="534240" y="301320"/>
-            <a:ext cx="9621360" cy="1261440"/>
+            <a:ext cx="9622080" cy="1261800"/>
           </a:xfrm>
           <a:prstGeom prst="rect">
             <a:avLst/>
@@ -780,8 +780,8 @@
         </p:nvSpPr>
         <p:spPr>
           <a:xfrm>
-            <a:off x="534600" y="1769040"/>
-            <a:ext cx="4695480" cy="4384440"/>
+            <a:off x="534240" y="1768680"/>
+            <a:ext cx="4695480" cy="4384080"/>
           </a:xfrm>
           <a:prstGeom prst="rect">
             <a:avLst/>
@@ -810,8 +810,8 @@
         </p:nvSpPr>
         <p:spPr>
           <a:xfrm>
-            <a:off x="5465160" y="1769040"/>
-            <a:ext cx="4695480" cy="4384440"/>
+            <a:off x="5464800" y="1768680"/>
+            <a:ext cx="4695480" cy="4384080"/>
           </a:xfrm>
           <a:prstGeom prst="rect">
             <a:avLst/>
@@ -863,7 +863,7 @@
         <p:spPr>
           <a:xfrm>
             <a:off x="534240" y="301320"/>
-            <a:ext cx="9621360" cy="1261440"/>
+            <a:ext cx="9622080" cy="1261800"/>
           </a:xfrm>
           <a:prstGeom prst="rect">
             <a:avLst/>
@@ -916,7 +916,7 @@
         <p:spPr>
           <a:xfrm>
             <a:off x="534240" y="301320"/>
-            <a:ext cx="9621360" cy="5848560"/>
+            <a:ext cx="9622080" cy="5850360"/>
           </a:xfrm>
           <a:prstGeom prst="rect">
             <a:avLst/>
@@ -969,7 +969,7 @@
         <p:spPr>
           <a:xfrm>
             <a:off x="534240" y="301320"/>
-            <a:ext cx="9621360" cy="1261440"/>
+            <a:ext cx="9622080" cy="1261800"/>
           </a:xfrm>
           <a:prstGeom prst="rect">
             <a:avLst/>
@@ -999,8 +999,8 @@
         </p:nvSpPr>
         <p:spPr>
           <a:xfrm>
-            <a:off x="534600" y="1769040"/>
-            <a:ext cx="4695480" cy="2091240"/>
+            <a:off x="534240" y="1768680"/>
+            <a:ext cx="4695480" cy="2090880"/>
           </a:xfrm>
           <a:prstGeom prst="rect">
             <a:avLst/>
@@ -1029,8 +1029,8 @@
         </p:nvSpPr>
         <p:spPr>
           <a:xfrm>
-            <a:off x="5465160" y="1769040"/>
-            <a:ext cx="4695480" cy="4384440"/>
+            <a:off x="5464800" y="1768680"/>
+            <a:ext cx="4695480" cy="4384080"/>
           </a:xfrm>
           <a:prstGeom prst="rect">
             <a:avLst/>
@@ -1059,8 +1059,8 @@
         </p:nvSpPr>
         <p:spPr>
           <a:xfrm>
-            <a:off x="534600" y="4059360"/>
-            <a:ext cx="4695480" cy="2091240"/>
+            <a:off x="534240" y="4058640"/>
+            <a:ext cx="4695480" cy="2090880"/>
           </a:xfrm>
           <a:prstGeom prst="rect">
             <a:avLst/>
@@ -1112,7 +1112,7 @@
         <p:spPr>
           <a:xfrm>
             <a:off x="534240" y="301320"/>
-            <a:ext cx="9621360" cy="1261440"/>
+            <a:ext cx="9622080" cy="1261800"/>
           </a:xfrm>
           <a:prstGeom prst="rect">
             <a:avLst/>
@@ -1142,8 +1142,8 @@
         </p:nvSpPr>
         <p:spPr>
           <a:xfrm>
-            <a:off x="534600" y="1769040"/>
-            <a:ext cx="4695480" cy="4384440"/>
+            <a:off x="534240" y="1768680"/>
+            <a:ext cx="4695480" cy="4384080"/>
           </a:xfrm>
           <a:prstGeom prst="rect">
             <a:avLst/>
@@ -1172,8 +1172,8 @@
         </p:nvSpPr>
         <p:spPr>
           <a:xfrm>
-            <a:off x="5465160" y="1769040"/>
-            <a:ext cx="4695480" cy="2091240"/>
+            <a:off x="5464800" y="1768680"/>
+            <a:ext cx="4695480" cy="2090880"/>
           </a:xfrm>
           <a:prstGeom prst="rect">
             <a:avLst/>
@@ -1202,8 +1202,8 @@
         </p:nvSpPr>
         <p:spPr>
           <a:xfrm>
-            <a:off x="5465160" y="4059360"/>
-            <a:ext cx="4695480" cy="2091240"/>
+            <a:off x="5464800" y="4058640"/>
+            <a:ext cx="4695480" cy="2090880"/>
           </a:xfrm>
           <a:prstGeom prst="rect">
             <a:avLst/>
@@ -1255,7 +1255,7 @@
         <p:spPr>
           <a:xfrm>
             <a:off x="534240" y="301320"/>
-            <a:ext cx="9621360" cy="1261440"/>
+            <a:ext cx="9622080" cy="1261800"/>
           </a:xfrm>
           <a:prstGeom prst="rect">
             <a:avLst/>
@@ -1285,8 +1285,8 @@
         </p:nvSpPr>
         <p:spPr>
           <a:xfrm>
-            <a:off x="534600" y="1769040"/>
-            <a:ext cx="4695480" cy="2091240"/>
+            <a:off x="534240" y="1768680"/>
+            <a:ext cx="4695480" cy="2090880"/>
           </a:xfrm>
           <a:prstGeom prst="rect">
             <a:avLst/>
@@ -1315,8 +1315,8 @@
         </p:nvSpPr>
         <p:spPr>
           <a:xfrm>
-            <a:off x="5465160" y="1769040"/>
-            <a:ext cx="4695480" cy="2091240"/>
+            <a:off x="5464800" y="1768680"/>
+            <a:ext cx="4695480" cy="2090880"/>
           </a:xfrm>
           <a:prstGeom prst="rect">
             <a:avLst/>
@@ -1345,8 +1345,8 @@
         </p:nvSpPr>
         <p:spPr>
           <a:xfrm>
-            <a:off x="534600" y="4059360"/>
-            <a:ext cx="9622440" cy="2091240"/>
+            <a:off x="534240" y="4058640"/>
+            <a:ext cx="9622080" cy="2090880"/>
           </a:xfrm>
           <a:prstGeom prst="rect">
             <a:avLst/>
@@ -1398,7 +1398,7 @@
         <p:spPr>
           <a:xfrm>
             <a:off x="534240" y="301320"/>
-            <a:ext cx="9621360" cy="1261440"/>
+            <a:ext cx="9622080" cy="1261800"/>
           </a:xfrm>
           <a:prstGeom prst="rect">
             <a:avLst/>
@@ -1411,12 +1411,12 @@
           <a:p>
             <a:pPr algn="ctr"/>
             <a:r>
-              <a:rPr b="0" lang="en-GB" sz="1800" spc="-1" strike="noStrike">
+              <a:rPr b="0" lang="en-GB" sz="4400" spc="-1" strike="noStrike">
                 <a:latin typeface="Arial"/>
               </a:rPr>
               <a:t>Click to edit the title text format</a:t>
             </a:r>
-            <a:endParaRPr b="0" lang="en-GB" sz="1800" spc="-1" strike="noStrike">
+            <a:endParaRPr b="0" lang="en-GB" sz="4400" spc="-1" strike="noStrike">
               <a:latin typeface="Arial"/>
             </a:endParaRPr>
           </a:p>
@@ -1434,8 +1434,8 @@
         </p:nvSpPr>
         <p:spPr>
           <a:xfrm>
-            <a:off x="534600" y="1769040"/>
-            <a:ext cx="9622440" cy="4384440"/>
+            <a:off x="534240" y="1768680"/>
+            <a:ext cx="9622080" cy="4384080"/>
           </a:xfrm>
           <a:prstGeom prst="rect">
             <a:avLst/>
@@ -1645,9 +1645,9 @@
           <p:nvPr/>
         </p:nvSpPr>
         <p:spPr>
-          <a:xfrm rot="16200000">
-            <a:off x="1132920" y="1775520"/>
-            <a:ext cx="755640" cy="385200"/>
+          <a:xfrm>
+            <a:off x="2952000" y="-72000"/>
+            <a:ext cx="687600" cy="350280"/>
           </a:xfrm>
           <a:prstGeom prst="rect">
             <a:avLst/>
@@ -1674,12 +1674,16 @@
               </a:lnSpc>
             </a:pPr>
             <a:r>
-              <a:rPr b="0" lang="en-GB" sz="1800" spc="-1" strike="noStrike">
+              <a:rPr b="1" lang="en-GB" sz="1400" spc="-1" strike="noStrike">
+                <a:solidFill>
+                  <a:srgbClr val="000000"/>
+                </a:solidFill>
                 <a:latin typeface="Arial"/>
+                <a:ea typeface="DejaVu Sans"/>
               </a:rPr>
               <a:t>2016</a:t>
             </a:r>
-            <a:endParaRPr b="0" lang="en-GB" sz="1800" spc="-1" strike="noStrike">
+            <a:endParaRPr b="0" lang="en-GB" sz="1400" spc="-1" strike="noStrike">
               <a:latin typeface="Arial"/>
             </a:endParaRPr>
           </a:p>
@@ -1692,9 +1696,9 @@
           <p:nvPr/>
         </p:nvSpPr>
         <p:spPr>
-          <a:xfrm rot="16200000">
-            <a:off x="5744160" y="1775520"/>
-            <a:ext cx="755640" cy="385200"/>
+          <a:xfrm>
+            <a:off x="7376400" y="-58680"/>
+            <a:ext cx="687600" cy="346680"/>
           </a:xfrm>
           <a:prstGeom prst="rect">
             <a:avLst/>
@@ -1721,12 +1725,16 @@
               </a:lnSpc>
             </a:pPr>
             <a:r>
-              <a:rPr b="0" lang="en-GB" sz="1800" spc="-1" strike="noStrike">
+              <a:rPr b="1" lang="en-GB" sz="1400" spc="-1" strike="noStrike">
+                <a:solidFill>
+                  <a:srgbClr val="000000"/>
+                </a:solidFill>
                 <a:latin typeface="Arial"/>
+                <a:ea typeface="DejaVu Sans"/>
               </a:rPr>
               <a:t>2017</a:t>
             </a:r>
-            <a:endParaRPr b="0" lang="en-GB" sz="1800" spc="-1" strike="noStrike">
+            <a:endParaRPr b="0" lang="en-GB" sz="1400" spc="-1" strike="noStrike">
               <a:latin typeface="Arial"/>
             </a:endParaRPr>
           </a:p>
@@ -1739,9 +1747,9 @@
           <p:nvPr/>
         </p:nvSpPr>
         <p:spPr>
-          <a:xfrm rot="16200000">
-            <a:off x="5752440" y="5187240"/>
-            <a:ext cx="755640" cy="385200"/>
+          <a:xfrm>
+            <a:off x="7448400" y="7284600"/>
+            <a:ext cx="687600" cy="347040"/>
           </a:xfrm>
           <a:prstGeom prst="rect">
             <a:avLst/>
@@ -1768,12 +1776,16 @@
               </a:lnSpc>
             </a:pPr>
             <a:r>
-              <a:rPr b="0" lang="en-GB" sz="1800" spc="-1" strike="noStrike">
+              <a:rPr b="1" lang="en-GB" sz="1400" spc="-1" strike="noStrike">
+                <a:solidFill>
+                  <a:srgbClr val="000000"/>
+                </a:solidFill>
                 <a:latin typeface="Arial"/>
+                <a:ea typeface="DejaVu Sans"/>
               </a:rPr>
               <a:t>2019</a:t>
             </a:r>
-            <a:endParaRPr b="0" lang="en-GB" sz="1800" spc="-1" strike="noStrike">
+            <a:endParaRPr b="0" lang="en-GB" sz="1400" spc="-1" strike="noStrike">
               <a:latin typeface="Arial"/>
             </a:endParaRPr>
           </a:p>
@@ -1787,8 +1799,8 @@
         </p:nvSpPr>
         <p:spPr>
           <a:xfrm rot="16200000">
-            <a:off x="10137600" y="5616720"/>
-            <a:ext cx="604440" cy="429840"/>
+            <a:off x="9710640" y="5510880"/>
+            <a:ext cx="550080" cy="387720"/>
           </a:xfrm>
           <a:prstGeom prst="rect">
             <a:avLst/>
@@ -1816,7 +1828,11 @@
             </a:pPr>
             <a:r>
               <a:rPr b="0" lang="en-GB" sz="800" spc="-1" strike="noStrike">
+                <a:solidFill>
+                  <a:srgbClr val="000000"/>
+                </a:solidFill>
                 <a:latin typeface="Arial"/>
+                <a:ea typeface="DejaVu Sans"/>
               </a:rPr>
               <a:t>22WEV</a:t>
             </a:r>
@@ -1834,8 +1850,8 @@
         </p:nvSpPr>
         <p:spPr>
           <a:xfrm rot="16200000">
-            <a:off x="10137960" y="6220080"/>
-            <a:ext cx="604800" cy="429840"/>
+            <a:off x="9711000" y="6096240"/>
+            <a:ext cx="550080" cy="387720"/>
           </a:xfrm>
           <a:prstGeom prst="rect">
             <a:avLst/>
@@ -1863,7 +1879,11 @@
             </a:pPr>
             <a:r>
               <a:rPr b="0" lang="en-GB" sz="800" spc="-1" strike="noStrike">
+                <a:solidFill>
+                  <a:srgbClr val="000000"/>
+                </a:solidFill>
                 <a:latin typeface="Arial"/>
+                <a:ea typeface="DejaVu Sans"/>
               </a:rPr>
               <a:t>22WEU</a:t>
             </a:r>
@@ -1881,8 +1901,8 @@
         </p:nvSpPr>
         <p:spPr>
           <a:xfrm rot="16200000">
-            <a:off x="10138320" y="6785280"/>
-            <a:ext cx="604440" cy="429840"/>
+            <a:off x="9711360" y="6611400"/>
+            <a:ext cx="550080" cy="387720"/>
           </a:xfrm>
           <a:prstGeom prst="rect">
             <a:avLst/>
@@ -1910,7 +1930,11 @@
             </a:pPr>
             <a:r>
               <a:rPr b="0" lang="en-GB" sz="800" spc="-1" strike="noStrike">
+                <a:solidFill>
+                  <a:srgbClr val="000000"/>
+                </a:solidFill>
                 <a:latin typeface="Arial"/>
+                <a:ea typeface="DejaVu Sans"/>
               </a:rPr>
               <a:t>22WET</a:t>
             </a:r>
@@ -1928,8 +1952,8 @@
         </p:nvSpPr>
         <p:spPr>
           <a:xfrm rot="16200000">
-            <a:off x="10137960" y="5085720"/>
-            <a:ext cx="604440" cy="429840"/>
+            <a:off x="9711000" y="4991400"/>
+            <a:ext cx="550080" cy="387720"/>
           </a:xfrm>
           <a:prstGeom prst="rect">
             <a:avLst/>
@@ -1957,7 +1981,11 @@
             </a:pPr>
             <a:r>
               <a:rPr b="0" lang="en-GB" sz="800" spc="-1" strike="noStrike">
+                <a:solidFill>
+                  <a:srgbClr val="000000"/>
+                </a:solidFill>
                 <a:latin typeface="Arial"/>
+                <a:ea typeface="DejaVu Sans"/>
               </a:rPr>
               <a:t>22WEA</a:t>
             </a:r>
@@ -1975,8 +2003,8 @@
         </p:nvSpPr>
         <p:spPr>
           <a:xfrm rot="16200000">
-            <a:off x="10138320" y="4518720"/>
-            <a:ext cx="604800" cy="429840"/>
+            <a:off x="9711360" y="4438800"/>
+            <a:ext cx="550440" cy="387720"/>
           </a:xfrm>
           <a:prstGeom prst="rect">
             <a:avLst/>
@@ -2004,7 +2032,11 @@
             </a:pPr>
             <a:r>
               <a:rPr b="0" lang="en-GB" sz="800" spc="-1" strike="noStrike">
+                <a:solidFill>
+                  <a:srgbClr val="000000"/>
+                </a:solidFill>
                 <a:latin typeface="Arial"/>
+                <a:ea typeface="DejaVu Sans"/>
               </a:rPr>
               <a:t>22WEB</a:t>
             </a:r>
@@ -2022,8 +2054,8 @@
         </p:nvSpPr>
         <p:spPr>
           <a:xfrm rot="16200000">
-            <a:off x="10138680" y="3917160"/>
-            <a:ext cx="604440" cy="429840"/>
+            <a:off x="9711720" y="3818880"/>
+            <a:ext cx="550080" cy="387720"/>
           </a:xfrm>
           <a:prstGeom prst="rect">
             <a:avLst/>
@@ -2051,7 +2083,11 @@
             </a:pPr>
             <a:r>
               <a:rPr b="0" lang="en-GB" sz="800" spc="-1" strike="noStrike">
+                <a:solidFill>
+                  <a:srgbClr val="000000"/>
+                </a:solidFill>
                 <a:latin typeface="Arial"/>
+                <a:ea typeface="DejaVu Sans"/>
               </a:rPr>
               <a:t>22WEA</a:t>
             </a:r>
@@ -2074,8 +2110,8 @@
         </p:blipFill>
         <p:spPr>
           <a:xfrm>
-            <a:off x="1811520" y="396000"/>
-            <a:ext cx="3660120" cy="3455640"/>
+            <a:off x="1494720" y="295200"/>
+            <a:ext cx="3639240" cy="3343320"/>
           </a:xfrm>
           <a:prstGeom prst="rect">
             <a:avLst/>
@@ -2098,8 +2134,8 @@
         </p:blipFill>
         <p:spPr>
           <a:xfrm>
-            <a:off x="6480000" y="396000"/>
-            <a:ext cx="3671640" cy="3455640"/>
+            <a:off x="5820480" y="301320"/>
+            <a:ext cx="3801600" cy="3344400"/>
           </a:xfrm>
           <a:prstGeom prst="rect">
             <a:avLst/>
@@ -2117,13 +2153,13 @@
         </p:nvPicPr>
         <p:blipFill>
           <a:blip r:embed="rId3"/>
-          <a:srcRect l="19876" t="9834" r="17569" b="9777"/>
+          <a:srcRect l="19876" t="11122" r="17569" b="9777"/>
           <a:stretch/>
         </p:blipFill>
         <p:spPr>
           <a:xfrm>
-            <a:off x="1811520" y="3816000"/>
-            <a:ext cx="3660120" cy="3527640"/>
+            <a:off x="1499760" y="3779640"/>
+            <a:ext cx="3639240" cy="3384360"/>
           </a:xfrm>
           <a:prstGeom prst="rect">
             <a:avLst/>
@@ -2146,8 +2182,8 @@
         </p:blipFill>
         <p:spPr>
           <a:xfrm>
-            <a:off x="6503040" y="3888000"/>
-            <a:ext cx="3649680" cy="3455640"/>
+            <a:off x="5830200" y="3786840"/>
+            <a:ext cx="3770640" cy="3377160"/>
           </a:xfrm>
           <a:prstGeom prst="rect">
             <a:avLst/>
@@ -2159,254 +2195,14 @@
       </p:pic>
       <p:sp>
         <p:nvSpPr>
-          <p:cNvPr id="51" name="TextShape 10"/>
-          <p:cNvSpPr txBox="1"/>
-          <p:nvPr/>
-        </p:nvSpPr>
-        <p:spPr>
-          <a:xfrm>
-            <a:off x="1728000" y="0"/>
-            <a:ext cx="936000" cy="346320"/>
-          </a:xfrm>
-          <a:prstGeom prst="rect">
-            <a:avLst/>
-          </a:prstGeom>
-          <a:noFill/>
-          <a:ln>
-            <a:noFill/>
-          </a:ln>
-        </p:spPr>
-        <p:txBody>
-          <a:bodyPr lIns="90000" rIns="90000" tIns="45000" bIns="45000">
-            <a:noAutofit/>
-          </a:bodyPr>
-          <a:p>
-            <a:r>
-              <a:rPr b="0" lang="en-GB" sz="1800" spc="-1" strike="noStrike">
-                <a:latin typeface="Arial"/>
-              </a:rPr>
-              <a:t>June</a:t>
-            </a:r>
-            <a:endParaRPr b="0" lang="en-GB" sz="1800" spc="-1" strike="noStrike">
-              <a:latin typeface="Arial"/>
-            </a:endParaRPr>
-          </a:p>
-        </p:txBody>
-      </p:sp>
-      <p:sp>
-        <p:nvSpPr>
-          <p:cNvPr id="52" name="TextShape 11"/>
-          <p:cNvSpPr txBox="1"/>
-          <p:nvPr/>
-        </p:nvSpPr>
-        <p:spPr>
-          <a:xfrm>
-            <a:off x="6444000" y="0"/>
-            <a:ext cx="936000" cy="346320"/>
-          </a:xfrm>
-          <a:prstGeom prst="rect">
-            <a:avLst/>
-          </a:prstGeom>
-          <a:noFill/>
-          <a:ln>
-            <a:noFill/>
-          </a:ln>
-        </p:spPr>
-        <p:txBody>
-          <a:bodyPr lIns="90000" rIns="90000" tIns="45000" bIns="45000">
-            <a:noAutofit/>
-          </a:bodyPr>
-          <a:p>
-            <a:r>
-              <a:rPr b="0" lang="en-GB" sz="1800" spc="-1" strike="noStrike">
-                <a:latin typeface="Arial"/>
-              </a:rPr>
-              <a:t>June</a:t>
-            </a:r>
-            <a:endParaRPr b="0" lang="en-GB" sz="1800" spc="-1" strike="noStrike">
-              <a:latin typeface="Arial"/>
-            </a:endParaRPr>
-          </a:p>
-        </p:txBody>
-      </p:sp>
-      <p:sp>
-        <p:nvSpPr>
-          <p:cNvPr id="53" name="TextShape 12"/>
-          <p:cNvSpPr txBox="1"/>
-          <p:nvPr/>
-        </p:nvSpPr>
-        <p:spPr>
-          <a:xfrm>
-            <a:off x="3312000" y="0"/>
-            <a:ext cx="936000" cy="346320"/>
-          </a:xfrm>
-          <a:prstGeom prst="rect">
-            <a:avLst/>
-          </a:prstGeom>
-          <a:noFill/>
-          <a:ln>
-            <a:noFill/>
-          </a:ln>
-        </p:spPr>
-        <p:txBody>
-          <a:bodyPr lIns="90000" rIns="90000" tIns="45000" bIns="45000">
-            <a:noAutofit/>
-          </a:bodyPr>
-          <a:p>
-            <a:r>
-              <a:rPr b="0" lang="en-GB" sz="1800" spc="-1" strike="noStrike">
-                <a:latin typeface="Arial"/>
-              </a:rPr>
-              <a:t>July</a:t>
-            </a:r>
-            <a:endParaRPr b="0" lang="en-GB" sz="1800" spc="-1" strike="noStrike">
-              <a:latin typeface="Arial"/>
-            </a:endParaRPr>
-          </a:p>
-        </p:txBody>
-      </p:sp>
-      <p:sp>
-        <p:nvSpPr>
-          <p:cNvPr id="54" name="TextShape 13"/>
-          <p:cNvSpPr txBox="1"/>
-          <p:nvPr/>
-        </p:nvSpPr>
-        <p:spPr>
-          <a:xfrm>
-            <a:off x="7992000" y="0"/>
-            <a:ext cx="936000" cy="346320"/>
-          </a:xfrm>
-          <a:prstGeom prst="rect">
-            <a:avLst/>
-          </a:prstGeom>
-          <a:noFill/>
-          <a:ln>
-            <a:noFill/>
-          </a:ln>
-        </p:spPr>
-        <p:txBody>
-          <a:bodyPr lIns="90000" rIns="90000" tIns="45000" bIns="45000">
-            <a:noAutofit/>
-          </a:bodyPr>
-          <a:p>
-            <a:r>
-              <a:rPr b="0" lang="en-GB" sz="1800" spc="-1" strike="noStrike">
-                <a:latin typeface="Arial"/>
-              </a:rPr>
-              <a:t>July</a:t>
-            </a:r>
-            <a:endParaRPr b="0" lang="en-GB" sz="1800" spc="-1" strike="noStrike">
-              <a:latin typeface="Arial"/>
-            </a:endParaRPr>
-          </a:p>
-        </p:txBody>
-      </p:sp>
-      <p:sp>
-        <p:nvSpPr>
-          <p:cNvPr id="55" name="TextShape 14"/>
-          <p:cNvSpPr txBox="1"/>
-          <p:nvPr/>
-        </p:nvSpPr>
-        <p:spPr>
-          <a:xfrm>
-            <a:off x="9468000" y="0"/>
-            <a:ext cx="936000" cy="346320"/>
-          </a:xfrm>
-          <a:prstGeom prst="rect">
-            <a:avLst/>
-          </a:prstGeom>
-          <a:noFill/>
-          <a:ln>
-            <a:noFill/>
-          </a:ln>
-        </p:spPr>
-        <p:txBody>
-          <a:bodyPr lIns="90000" rIns="90000" tIns="45000" bIns="45000">
-            <a:noAutofit/>
-          </a:bodyPr>
-          <a:p>
-            <a:r>
-              <a:rPr b="0" lang="en-GB" sz="1800" spc="-1" strike="noStrike">
-                <a:latin typeface="Arial"/>
-              </a:rPr>
-              <a:t>August</a:t>
-            </a:r>
-            <a:endParaRPr b="0" lang="en-GB" sz="1800" spc="-1" strike="noStrike">
-              <a:latin typeface="Arial"/>
-            </a:endParaRPr>
-          </a:p>
-        </p:txBody>
-      </p:sp>
-      <p:sp>
-        <p:nvSpPr>
-          <p:cNvPr id="56" name="TextShape 15"/>
-          <p:cNvSpPr txBox="1"/>
-          <p:nvPr/>
-        </p:nvSpPr>
-        <p:spPr>
-          <a:xfrm>
-            <a:off x="4824000" y="0"/>
-            <a:ext cx="936000" cy="346320"/>
-          </a:xfrm>
-          <a:prstGeom prst="rect">
-            <a:avLst/>
-          </a:prstGeom>
-          <a:noFill/>
-          <a:ln>
-            <a:noFill/>
-          </a:ln>
-        </p:spPr>
-        <p:txBody>
-          <a:bodyPr lIns="90000" rIns="90000" tIns="45000" bIns="45000">
-            <a:noAutofit/>
-          </a:bodyPr>
-          <a:p>
-            <a:r>
-              <a:rPr b="0" lang="en-GB" sz="1800" spc="-1" strike="noStrike">
-                <a:latin typeface="Arial"/>
-              </a:rPr>
-              <a:t>August</a:t>
-            </a:r>
-            <a:endParaRPr b="0" lang="en-GB" sz="1800" spc="-1" strike="noStrike">
-              <a:latin typeface="Arial"/>
-            </a:endParaRPr>
-          </a:p>
-        </p:txBody>
-      </p:sp>
-      <p:pic>
-        <p:nvPicPr>
-          <p:cNvPr id="57" name="" descr=""/>
-          <p:cNvPicPr/>
-          <p:nvPr/>
-        </p:nvPicPr>
-        <p:blipFill>
-          <a:blip r:embed="rId5"/>
-          <a:srcRect l="10492" t="0" r="75066" b="0"/>
-          <a:stretch/>
-        </p:blipFill>
-        <p:spPr>
-          <a:xfrm>
-            <a:off x="360000" y="1548000"/>
-            <a:ext cx="1044000" cy="4449240"/>
-          </a:xfrm>
-          <a:prstGeom prst="rect">
-            <a:avLst/>
-          </a:prstGeom>
-          <a:ln>
-            <a:noFill/>
-          </a:ln>
-        </p:spPr>
-      </p:pic>
-      <p:sp>
-        <p:nvSpPr>
-          <p:cNvPr id="58" name="CustomShape 16"/>
+          <p:cNvPr id="51" name="CustomShape 10"/>
           <p:cNvSpPr/>
           <p:nvPr/>
         </p:nvSpPr>
         <p:spPr>
-          <a:xfrm rot="16200000">
-            <a:off x="-393480" y="3302640"/>
-            <a:ext cx="1217160" cy="385200"/>
+          <a:xfrm>
+            <a:off x="1455480" y="3528000"/>
+            <a:ext cx="852120" cy="314640"/>
           </a:xfrm>
           <a:prstGeom prst="rect">
             <a:avLst/>
@@ -2433,27 +2229,31 @@
               </a:lnSpc>
             </a:pPr>
             <a:r>
-              <a:rPr b="0" lang="en-GB" sz="1500" spc="-1" strike="noStrike">
+              <a:rPr b="0" lang="en-GB" sz="1400" spc="-1" strike="noStrike">
+                <a:solidFill>
+                  <a:srgbClr val="000000"/>
+                </a:solidFill>
                 <a:latin typeface="Arial"/>
+                <a:ea typeface="DejaVu Sans"/>
               </a:rPr>
-              <a:t>cells/mL</a:t>
+              <a:t>June</a:t>
             </a:r>
-            <a:endParaRPr b="0" lang="en-GB" sz="1500" spc="-1" strike="noStrike">
-              <a:latin typeface="Arial"/>
-            </a:endParaRPr>
-          </a:p>
-        </p:txBody>
-      </p:sp>
-      <p:sp>
-        <p:nvSpPr>
-          <p:cNvPr id="59" name="CustomShape 17"/>
+            <a:endParaRPr b="0" lang="en-GB" sz="1400" spc="-1" strike="noStrike">
+              <a:latin typeface="Arial"/>
+            </a:endParaRPr>
+          </a:p>
+        </p:txBody>
+      </p:sp>
+      <p:sp>
+        <p:nvSpPr>
+          <p:cNvPr id="52" name="CustomShape 11"/>
           <p:cNvSpPr/>
           <p:nvPr/>
         </p:nvSpPr>
         <p:spPr>
-          <a:xfrm rot="16200000">
-            <a:off x="1060920" y="5225040"/>
-            <a:ext cx="755640" cy="385200"/>
+          <a:xfrm>
+            <a:off x="5805720" y="3528000"/>
+            <a:ext cx="844560" cy="314640"/>
           </a:xfrm>
           <a:prstGeom prst="rect">
             <a:avLst/>
@@ -2480,16 +2280,478 @@
               </a:lnSpc>
             </a:pPr>
             <a:r>
-              <a:rPr b="0" lang="en-GB" sz="1800" spc="-1" strike="noStrike">
+              <a:rPr b="0" lang="en-GB" sz="1400" spc="-1" strike="noStrike">
+                <a:solidFill>
+                  <a:srgbClr val="000000"/>
+                </a:solidFill>
                 <a:latin typeface="Arial"/>
+                <a:ea typeface="DejaVu Sans"/>
+              </a:rPr>
+              <a:t>June</a:t>
+            </a:r>
+            <a:endParaRPr b="0" lang="en-GB" sz="1400" spc="-1" strike="noStrike">
+              <a:latin typeface="Arial"/>
+            </a:endParaRPr>
+          </a:p>
+        </p:txBody>
+      </p:sp>
+      <p:sp>
+        <p:nvSpPr>
+          <p:cNvPr id="53" name="CustomShape 12"/>
+          <p:cNvSpPr/>
+          <p:nvPr/>
+        </p:nvSpPr>
+        <p:spPr>
+          <a:xfrm>
+            <a:off x="2970360" y="3528000"/>
+            <a:ext cx="851760" cy="314640"/>
+          </a:xfrm>
+          <a:prstGeom prst="rect">
+            <a:avLst/>
+          </a:prstGeom>
+          <a:noFill/>
+          <a:ln>
+            <a:noFill/>
+          </a:ln>
+        </p:spPr>
+        <p:style>
+          <a:lnRef idx="0"/>
+          <a:fillRef idx="0"/>
+          <a:effectRef idx="0"/>
+          <a:fontRef idx="minor"/>
+        </p:style>
+        <p:txBody>
+          <a:bodyPr lIns="90000" rIns="90000" tIns="45000" bIns="45000">
+            <a:noAutofit/>
+          </a:bodyPr>
+          <a:p>
+            <a:pPr>
+              <a:lnSpc>
+                <a:spcPct val="100000"/>
+              </a:lnSpc>
+            </a:pPr>
+            <a:r>
+              <a:rPr b="0" lang="en-GB" sz="1400" spc="-1" strike="noStrike">
+                <a:solidFill>
+                  <a:srgbClr val="000000"/>
+                </a:solidFill>
+                <a:latin typeface="Arial"/>
+                <a:ea typeface="DejaVu Sans"/>
+              </a:rPr>
+              <a:t>July</a:t>
+            </a:r>
+            <a:endParaRPr b="0" lang="en-GB" sz="1400" spc="-1" strike="noStrike">
+              <a:latin typeface="Arial"/>
+            </a:endParaRPr>
+          </a:p>
+        </p:txBody>
+      </p:sp>
+      <p:sp>
+        <p:nvSpPr>
+          <p:cNvPr id="54" name="CustomShape 13"/>
+          <p:cNvSpPr/>
+          <p:nvPr/>
+        </p:nvSpPr>
+        <p:spPr>
+          <a:xfrm>
+            <a:off x="7347600" y="3528000"/>
+            <a:ext cx="844200" cy="314640"/>
+          </a:xfrm>
+          <a:prstGeom prst="rect">
+            <a:avLst/>
+          </a:prstGeom>
+          <a:noFill/>
+          <a:ln>
+            <a:noFill/>
+          </a:ln>
+        </p:spPr>
+        <p:style>
+          <a:lnRef idx="0"/>
+          <a:fillRef idx="0"/>
+          <a:effectRef idx="0"/>
+          <a:fontRef idx="minor"/>
+        </p:style>
+        <p:txBody>
+          <a:bodyPr lIns="90000" rIns="90000" tIns="45000" bIns="45000">
+            <a:noAutofit/>
+          </a:bodyPr>
+          <a:p>
+            <a:pPr>
+              <a:lnSpc>
+                <a:spcPct val="100000"/>
+              </a:lnSpc>
+            </a:pPr>
+            <a:r>
+              <a:rPr b="0" lang="en-GB" sz="1400" spc="-1" strike="noStrike">
+                <a:solidFill>
+                  <a:srgbClr val="000000"/>
+                </a:solidFill>
+                <a:latin typeface="Arial"/>
+                <a:ea typeface="DejaVu Sans"/>
+              </a:rPr>
+              <a:t>July</a:t>
+            </a:r>
+            <a:endParaRPr b="0" lang="en-GB" sz="1400" spc="-1" strike="noStrike">
+              <a:latin typeface="Arial"/>
+            </a:endParaRPr>
+          </a:p>
+        </p:txBody>
+      </p:sp>
+      <p:sp>
+        <p:nvSpPr>
+          <p:cNvPr id="55" name="CustomShape 14"/>
+          <p:cNvSpPr/>
+          <p:nvPr/>
+        </p:nvSpPr>
+        <p:spPr>
+          <a:xfrm>
+            <a:off x="4311720" y="3528000"/>
+            <a:ext cx="851760" cy="314640"/>
+          </a:xfrm>
+          <a:prstGeom prst="rect">
+            <a:avLst/>
+          </a:prstGeom>
+          <a:noFill/>
+          <a:ln>
+            <a:noFill/>
+          </a:ln>
+        </p:spPr>
+        <p:style>
+          <a:lnRef idx="0"/>
+          <a:fillRef idx="0"/>
+          <a:effectRef idx="0"/>
+          <a:fontRef idx="minor"/>
+        </p:style>
+        <p:txBody>
+          <a:bodyPr lIns="90000" rIns="90000" tIns="45000" bIns="45000">
+            <a:noAutofit/>
+          </a:bodyPr>
+          <a:p>
+            <a:pPr>
+              <a:lnSpc>
+                <a:spcPct val="100000"/>
+              </a:lnSpc>
+            </a:pPr>
+            <a:r>
+              <a:rPr b="0" lang="en-GB" sz="1400" spc="-1" strike="noStrike">
+                <a:solidFill>
+                  <a:srgbClr val="000000"/>
+                </a:solidFill>
+                <a:latin typeface="Arial"/>
+                <a:ea typeface="DejaVu Sans"/>
+              </a:rPr>
+              <a:t>  </a:t>
+            </a:r>
+            <a:r>
+              <a:rPr b="0" lang="en-GB" sz="1400" spc="-1" strike="noStrike">
+                <a:solidFill>
+                  <a:srgbClr val="000000"/>
+                </a:solidFill>
+                <a:latin typeface="Arial"/>
+                <a:ea typeface="DejaVu Sans"/>
+              </a:rPr>
+              <a:t>August</a:t>
+            </a:r>
+            <a:endParaRPr b="0" lang="en-GB" sz="1400" spc="-1" strike="noStrike">
+              <a:latin typeface="Arial"/>
+            </a:endParaRPr>
+          </a:p>
+        </p:txBody>
+      </p:sp>
+      <p:pic>
+        <p:nvPicPr>
+          <p:cNvPr id="56" name="" descr=""/>
+          <p:cNvPicPr/>
+          <p:nvPr/>
+        </p:nvPicPr>
+        <p:blipFill>
+          <a:blip r:embed="rId5"/>
+          <a:srcRect l="10492" t="0" r="76056" b="0"/>
+          <a:stretch/>
+        </p:blipFill>
+        <p:spPr>
+          <a:xfrm>
+            <a:off x="311760" y="2016000"/>
+            <a:ext cx="670680" cy="3803760"/>
+          </a:xfrm>
+          <a:prstGeom prst="rect">
+            <a:avLst/>
+          </a:prstGeom>
+          <a:ln>
+            <a:noFill/>
+          </a:ln>
+        </p:spPr>
+      </p:pic>
+      <p:sp>
+        <p:nvSpPr>
+          <p:cNvPr id="57" name="CustomShape 15"/>
+          <p:cNvSpPr/>
+          <p:nvPr/>
+        </p:nvSpPr>
+        <p:spPr>
+          <a:xfrm>
+            <a:off x="216000" y="2147400"/>
+            <a:ext cx="864000" cy="329040"/>
+          </a:xfrm>
+          <a:prstGeom prst="rect">
+            <a:avLst/>
+          </a:prstGeom>
+          <a:noFill/>
+          <a:ln>
+            <a:noFill/>
+          </a:ln>
+        </p:spPr>
+        <p:style>
+          <a:lnRef idx="0"/>
+          <a:fillRef idx="0"/>
+          <a:effectRef idx="0"/>
+          <a:fontRef idx="minor"/>
+        </p:style>
+        <p:txBody>
+          <a:bodyPr lIns="90000" rIns="90000" tIns="45000" bIns="45000">
+            <a:noAutofit/>
+          </a:bodyPr>
+          <a:p>
+            <a:pPr>
+              <a:lnSpc>
+                <a:spcPct val="100000"/>
+              </a:lnSpc>
+            </a:pPr>
+            <a:r>
+              <a:rPr b="0" lang="en-GB" sz="1400" spc="-1" strike="noStrike">
+                <a:solidFill>
+                  <a:srgbClr val="000000"/>
+                </a:solidFill>
+                <a:latin typeface="Arial"/>
+                <a:ea typeface="DejaVu Sans"/>
+              </a:rPr>
+              <a:t>cells/mL</a:t>
+            </a:r>
+            <a:endParaRPr b="0" lang="en-GB" sz="1400" spc="-1" strike="noStrike">
+              <a:latin typeface="Arial"/>
+            </a:endParaRPr>
+          </a:p>
+        </p:txBody>
+      </p:sp>
+      <p:sp>
+        <p:nvSpPr>
+          <p:cNvPr id="58" name="CustomShape 16"/>
+          <p:cNvSpPr/>
+          <p:nvPr/>
+        </p:nvSpPr>
+        <p:spPr>
+          <a:xfrm>
+            <a:off x="2952000" y="7281720"/>
+            <a:ext cx="687600" cy="349920"/>
+          </a:xfrm>
+          <a:prstGeom prst="rect">
+            <a:avLst/>
+          </a:prstGeom>
+          <a:noFill/>
+          <a:ln>
+            <a:noFill/>
+          </a:ln>
+        </p:spPr>
+        <p:style>
+          <a:lnRef idx="0"/>
+          <a:fillRef idx="0"/>
+          <a:effectRef idx="0"/>
+          <a:fontRef idx="minor"/>
+        </p:style>
+        <p:txBody>
+          <a:bodyPr lIns="90000" rIns="90000" tIns="45000" bIns="45000">
+            <a:noAutofit/>
+          </a:bodyPr>
+          <a:p>
+            <a:pPr>
+              <a:lnSpc>
+                <a:spcPct val="100000"/>
+              </a:lnSpc>
+            </a:pPr>
+            <a:r>
+              <a:rPr b="1" lang="en-GB" sz="1400" spc="-1" strike="noStrike">
+                <a:solidFill>
+                  <a:srgbClr val="000000"/>
+                </a:solidFill>
+                <a:latin typeface="Arial"/>
+                <a:ea typeface="DejaVu Sans"/>
               </a:rPr>
               <a:t>2018</a:t>
             </a:r>
-            <a:endParaRPr b="0" lang="en-GB" sz="1800" spc="-1" strike="noStrike">
-              <a:latin typeface="Arial"/>
-            </a:endParaRPr>
-          </a:p>
-        </p:txBody>
+            <a:endParaRPr b="0" lang="en-GB" sz="1400" spc="-1" strike="noStrike">
+              <a:latin typeface="Arial"/>
+            </a:endParaRPr>
+          </a:p>
+        </p:txBody>
+      </p:sp>
+      <p:sp>
+        <p:nvSpPr>
+          <p:cNvPr id="59" name="CustomShape 17"/>
+          <p:cNvSpPr/>
+          <p:nvPr/>
+        </p:nvSpPr>
+        <p:spPr>
+          <a:xfrm>
+            <a:off x="8781480" y="3528000"/>
+            <a:ext cx="851760" cy="314640"/>
+          </a:xfrm>
+          <a:prstGeom prst="rect">
+            <a:avLst/>
+          </a:prstGeom>
+          <a:noFill/>
+          <a:ln>
+            <a:noFill/>
+          </a:ln>
+        </p:spPr>
+        <p:style>
+          <a:lnRef idx="0"/>
+          <a:fillRef idx="0"/>
+          <a:effectRef idx="0"/>
+          <a:fontRef idx="minor"/>
+        </p:style>
+        <p:txBody>
+          <a:bodyPr lIns="90000" rIns="90000" tIns="45000" bIns="45000">
+            <a:noAutofit/>
+          </a:bodyPr>
+          <a:p>
+            <a:pPr>
+              <a:lnSpc>
+                <a:spcPct val="100000"/>
+              </a:lnSpc>
+            </a:pPr>
+            <a:r>
+              <a:rPr b="0" lang="en-GB" sz="1400" spc="-1" strike="noStrike">
+                <a:solidFill>
+                  <a:srgbClr val="000000"/>
+                </a:solidFill>
+                <a:latin typeface="Arial"/>
+                <a:ea typeface="DejaVu Sans"/>
+              </a:rPr>
+              <a:t>  </a:t>
+            </a:r>
+            <a:r>
+              <a:rPr b="0" lang="en-GB" sz="1400" spc="-1" strike="noStrike">
+                <a:solidFill>
+                  <a:srgbClr val="000000"/>
+                </a:solidFill>
+                <a:latin typeface="Arial"/>
+                <a:ea typeface="DejaVu Sans"/>
+              </a:rPr>
+              <a:t>August</a:t>
+            </a:r>
+            <a:endParaRPr b="0" lang="en-GB" sz="1400" spc="-1" strike="noStrike">
+              <a:latin typeface="Arial"/>
+            </a:endParaRPr>
+          </a:p>
+        </p:txBody>
+      </p:sp>
+      <p:sp>
+        <p:nvSpPr>
+          <p:cNvPr id="60" name="Line 18"/>
+          <p:cNvSpPr/>
+          <p:nvPr/>
+        </p:nvSpPr>
+        <p:spPr>
+          <a:xfrm>
+            <a:off x="1527480" y="216000"/>
+            <a:ext cx="3584520" cy="0"/>
+          </a:xfrm>
+          <a:prstGeom prst="line">
+            <a:avLst/>
+          </a:prstGeom>
+          <a:ln>
+            <a:solidFill>
+              <a:srgbClr val="000000"/>
+            </a:solidFill>
+          </a:ln>
+        </p:spPr>
+        <p:style>
+          <a:lnRef idx="0"/>
+          <a:fillRef idx="0"/>
+          <a:effectRef idx="0"/>
+          <a:fontRef idx="minor"/>
+        </p:style>
+      </p:sp>
+      <p:sp>
+        <p:nvSpPr>
+          <p:cNvPr id="61" name="Line 19"/>
+          <p:cNvSpPr/>
+          <p:nvPr/>
+        </p:nvSpPr>
+        <p:spPr>
+          <a:xfrm>
+            <a:off x="5919480" y="216000"/>
+            <a:ext cx="3584520" cy="0"/>
+          </a:xfrm>
+          <a:prstGeom prst="line">
+            <a:avLst/>
+          </a:prstGeom>
+          <a:ln>
+            <a:solidFill>
+              <a:srgbClr val="000000"/>
+            </a:solidFill>
+          </a:ln>
+        </p:spPr>
+        <p:style>
+          <a:lnRef idx="0"/>
+          <a:fillRef idx="0"/>
+          <a:effectRef idx="0"/>
+          <a:fontRef idx="minor"/>
+        </p:style>
+      </p:sp>
+      <p:sp>
+        <p:nvSpPr>
+          <p:cNvPr id="62" name="Line 20"/>
+          <p:cNvSpPr/>
+          <p:nvPr/>
+        </p:nvSpPr>
+        <p:spPr>
+          <a:xfrm>
+            <a:off x="5955840" y="7236000"/>
+            <a:ext cx="3584520" cy="0"/>
+          </a:xfrm>
+          <a:prstGeom prst="line">
+            <a:avLst/>
+          </a:prstGeom>
+          <a:ln>
+            <a:solidFill>
+              <a:srgbClr val="000000"/>
+            </a:solidFill>
+          </a:ln>
+        </p:spPr>
+        <p:style>
+          <a:lnRef idx="0"/>
+          <a:fillRef idx="0"/>
+          <a:effectRef idx="0"/>
+          <a:fontRef idx="minor"/>
+        </p:style>
+      </p:sp>
+      <p:sp>
+        <p:nvSpPr>
+          <p:cNvPr id="63" name="Line 21"/>
+          <p:cNvSpPr/>
+          <p:nvPr/>
+        </p:nvSpPr>
+        <p:spPr>
+          <a:xfrm>
+            <a:off x="1528200" y="7236000"/>
+            <a:ext cx="3584520" cy="0"/>
+          </a:xfrm>
+          <a:prstGeom prst="line">
+            <a:avLst/>
+          </a:prstGeom>
+          <a:ln>
+            <a:solidFill>
+              <a:srgbClr val="000000"/>
+            </a:solidFill>
+          </a:ln>
+        </p:spPr>
+        <p:style>
+          <a:lnRef idx="0"/>
+          <a:fillRef idx="0"/>
+          <a:effectRef idx="0"/>
+          <a:fontRef idx="minor"/>
+        </p:style>
       </p:sp>
     </p:spTree>
   </p:cSld>
